--- a/projects/The_pytorch_ecosystem.pptx
+++ b/projects/The_pytorch_ecosystem.pptx
@@ -5,10 +5,10 @@
     <p:sldMasterId id="2147483648" r:id="rId1"/>
   </p:sldMasterIdLst>
   <p:notesMasterIdLst>
-    <p:notesMasterId r:id="rId15"/>
+    <p:notesMasterId r:id="rId16"/>
   </p:notesMasterIdLst>
   <p:handoutMasterIdLst>
-    <p:handoutMasterId r:id="rId16"/>
+    <p:handoutMasterId r:id="rId17"/>
   </p:handoutMasterIdLst>
   <p:sldIdLst>
     <p:sldId id="256" r:id="rId2"/>
@@ -18,12 +18,13 @@
     <p:sldId id="261" r:id="rId6"/>
     <p:sldId id="262" r:id="rId7"/>
     <p:sldId id="263" r:id="rId8"/>
-    <p:sldId id="264" r:id="rId9"/>
-    <p:sldId id="267" r:id="rId10"/>
-    <p:sldId id="265" r:id="rId11"/>
-    <p:sldId id="266" r:id="rId12"/>
-    <p:sldId id="268" r:id="rId13"/>
-    <p:sldId id="269" r:id="rId14"/>
+    <p:sldId id="270" r:id="rId9"/>
+    <p:sldId id="264" r:id="rId10"/>
+    <p:sldId id="267" r:id="rId11"/>
+    <p:sldId id="265" r:id="rId12"/>
+    <p:sldId id="266" r:id="rId13"/>
+    <p:sldId id="268" r:id="rId14"/>
+    <p:sldId id="269" r:id="rId15"/>
   </p:sldIdLst>
   <p:sldSz cx="12192000" cy="6858000"/>
   <p:notesSz cx="6858000" cy="9144000"/>
@@ -227,7 +228,7 @@
           <a:p>
             <a:fld id="{D75CAE95-D2DD-4998-876A-092BFD628C65}" type="datetimeFigureOut">
               <a:rPr lang="da-DK" smtClean="0"/>
-              <a:t>10-06-2021</a:t>
+              <a:t>07-01-2022</a:t>
             </a:fld>
             <a:endParaRPr lang="da-DK"/>
           </a:p>
@@ -405,7 +406,7 @@
           <a:p>
             <a:fld id="{1DA8E099-58AA-4136-B409-1CAD1943D842}" type="datetimeFigureOut">
               <a:rPr lang="da-DK" smtClean="0"/>
-              <a:t>10-06-2021</a:t>
+              <a:t>07-01-2022</a:t>
             </a:fld>
             <a:endParaRPr lang="da-DK"/>
           </a:p>
@@ -823,7 +824,7 @@
           <a:p>
             <a:fld id="{C85334AD-9960-4065-BF34-86ED0345A76D}" type="datetime1">
               <a:rPr lang="en-US" smtClean="0"/>
-              <a:t>6/10/2021</a:t>
+              <a:t>1/7/2022</a:t>
             </a:fld>
             <a:endParaRPr lang="da-DK"/>
           </a:p>
@@ -1062,7 +1063,7 @@
           <a:p>
             <a:fld id="{C5669758-3775-48D7-A841-693E908C3BF4}" type="datetime1">
               <a:rPr lang="en-US" smtClean="0"/>
-              <a:t>6/10/2021</a:t>
+              <a:t>1/7/2022</a:t>
             </a:fld>
             <a:endParaRPr lang="da-DK"/>
           </a:p>
@@ -1275,7 +1276,7 @@
           <a:p>
             <a:fld id="{1E0C3FF1-EDBD-4F2A-8366-34A4E3728310}" type="datetime1">
               <a:rPr lang="en-US" smtClean="0"/>
-              <a:t>6/10/2021</a:t>
+              <a:t>1/7/2022</a:t>
             </a:fld>
             <a:endParaRPr lang="da-DK"/>
           </a:p>
@@ -1496,7 +1497,7 @@
           <a:p>
             <a:fld id="{019E29B9-5584-4737-9C98-1B926378C778}" type="datetime1">
               <a:rPr lang="en-US" smtClean="0"/>
-              <a:t>6/10/2021</a:t>
+              <a:t>1/7/2022</a:t>
             </a:fld>
             <a:endParaRPr lang="da-DK"/>
           </a:p>
@@ -1811,7 +1812,7 @@
           <a:p>
             <a:fld id="{FCE38F03-F67D-4508-A858-99FCD085087C}" type="datetime1">
               <a:rPr lang="en-US" smtClean="0"/>
-              <a:t>6/10/2021</a:t>
+              <a:t>1/7/2022</a:t>
             </a:fld>
             <a:endParaRPr lang="da-DK"/>
           </a:p>
@@ -2082,7 +2083,7 @@
           <a:p>
             <a:fld id="{B43F2930-3FFD-4F93-A4BD-4F0D1A0B4514}" type="datetime1">
               <a:rPr lang="en-US" smtClean="0"/>
-              <a:t>6/10/2021</a:t>
+              <a:t>1/7/2022</a:t>
             </a:fld>
             <a:endParaRPr lang="da-DK"/>
           </a:p>
@@ -2500,7 +2501,7 @@
           <a:p>
             <a:fld id="{8E0F9B9B-30CC-4693-8E0F-1A94A979E2C5}" type="datetime1">
               <a:rPr lang="en-US" smtClean="0"/>
-              <a:t>6/10/2021</a:t>
+              <a:t>1/7/2022</a:t>
             </a:fld>
             <a:endParaRPr lang="da-DK"/>
           </a:p>
@@ -2645,7 +2646,7 @@
           <a:p>
             <a:fld id="{6FE1433B-E6A7-44FF-8B55-539471B4D7C5}" type="datetime1">
               <a:rPr lang="en-US" smtClean="0"/>
-              <a:t>6/10/2021</a:t>
+              <a:t>1/7/2022</a:t>
             </a:fld>
             <a:endParaRPr lang="da-DK"/>
           </a:p>
@@ -2761,7 +2762,7 @@
           <a:p>
             <a:fld id="{624F4001-6A8C-42DA-824F-B5CC1375B861}" type="datetime1">
               <a:rPr lang="en-US" smtClean="0"/>
-              <a:t>6/10/2021</a:t>
+              <a:t>1/7/2022</a:t>
             </a:fld>
             <a:endParaRPr lang="da-DK"/>
           </a:p>
@@ -3077,7 +3078,7 @@
           <a:p>
             <a:fld id="{2D3BE137-2C5E-4078-8BA2-7D42D7E67218}" type="datetime1">
               <a:rPr lang="en-US" smtClean="0"/>
-              <a:t>6/10/2021</a:t>
+              <a:t>1/7/2022</a:t>
             </a:fld>
             <a:endParaRPr lang="da-DK"/>
           </a:p>
@@ -3369,7 +3370,7 @@
           <a:p>
             <a:fld id="{0D1436FF-56D3-4E93-92E8-71121EAB120E}" type="datetime1">
               <a:rPr lang="en-US" smtClean="0"/>
-              <a:t>6/10/2021</a:t>
+              <a:t>1/7/2022</a:t>
             </a:fld>
             <a:endParaRPr lang="da-DK"/>
           </a:p>
@@ -3615,7 +3616,7 @@
           <a:p>
             <a:fld id="{16601EF2-4BCA-4009-ACCF-B97F259DEF6F}" type="datetime1">
               <a:rPr lang="en-US" smtClean="0"/>
-              <a:t>6/10/2021</a:t>
+              <a:t>1/7/2022</a:t>
             </a:fld>
             <a:endParaRPr lang="da-DK"/>
           </a:p>
@@ -4159,7 +4160,7 @@
           <p:cNvPr id="2" name="Title 1">
             <a:extLst>
               <a:ext uri="{FF2B5EF4-FFF2-40B4-BE49-F238E27FC236}">
-                <a16:creationId xmlns:a16="http://schemas.microsoft.com/office/drawing/2014/main" id="{193977A8-BC8E-43BD-8538-A3AFE3356DA8}"/>
+                <a16:creationId xmlns:a16="http://schemas.microsoft.com/office/drawing/2014/main" id="{EAD7DB5E-054C-43B6-90FE-038F335813E3}"/>
               </a:ext>
             </a:extLst>
           </p:cNvPr>
@@ -4177,7 +4178,7 @@
           <a:p>
             <a:r>
               <a:rPr lang="da-DK" dirty="0"/>
-              <a:t>Hand-in</a:t>
+              <a:t>Checklist (also in todays readme)</a:t>
             </a:r>
             <a:endParaRPr lang="en-US" dirty="0"/>
           </a:p>
@@ -4188,7 +4189,7 @@
           <p:cNvPr id="3" name="Content Placeholder 2">
             <a:extLst>
               <a:ext uri="{FF2B5EF4-FFF2-40B4-BE49-F238E27FC236}">
-                <a16:creationId xmlns:a16="http://schemas.microsoft.com/office/drawing/2014/main" id="{3AE7CBB7-FC73-4AEC-99A6-FBAF00D48B7F}"/>
+                <a16:creationId xmlns:a16="http://schemas.microsoft.com/office/drawing/2014/main" id="{681ADD06-75D9-483D-9A2D-16CA1E5C7BDD}"/>
               </a:ext>
             </a:extLst>
           </p:cNvPr>
@@ -4201,54 +4202,250 @@
         </p:nvSpPr>
         <p:spPr/>
         <p:txBody>
-          <a:bodyPr/>
-          <a:lstStyle/>
-          <a:p>
-            <a:r>
-              <a:rPr lang="da-DK" dirty="0"/>
-              <a:t>By 17:00 today ONE group member should send an email to me (</a:t>
-            </a:r>
-            <a:r>
-              <a:rPr lang="da-DK" dirty="0">
-                <a:hlinkClick r:id="rId2"/>
+          <a:bodyPr>
+            <a:normAutofit fontScale="47500" lnSpcReduction="20000"/>
+          </a:bodyPr>
+          <a:lstStyle/>
+          <a:p>
+            <a:r>
+              <a:rPr lang="en-US" b="0" dirty="0">
+                <a:effectLst/>
+                <a:latin typeface="Consolas" panose="020B0609020204030204" pitchFamily="49" charset="0"/>
               </a:rPr>
-              <a:t>nsde@dtu.dk</a:t>
-            </a:r>
-            <a:r>
-              <a:rPr lang="da-DK" dirty="0"/>
-              <a:t>) with the following info</a:t>
-            </a:r>
-          </a:p>
-          <a:p>
-            <a:pPr lvl="1"/>
-            <a:r>
-              <a:rPr lang="da-DK" dirty="0"/>
-              <a:t>Link to github reposatory</a:t>
-            </a:r>
-          </a:p>
-          <a:p>
-            <a:pPr lvl="1"/>
-            <a:r>
-              <a:rPr lang="da-DK" dirty="0"/>
-              <a:t>Study number of all group members</a:t>
-            </a:r>
-          </a:p>
-          <a:p>
-            <a:pPr lvl="1"/>
-            <a:r>
-              <a:rPr lang="da-DK" dirty="0"/>
-              <a:t>Your project description</a:t>
-            </a:r>
+              <a:t>- [ ] Create a git repository</a:t>
+            </a:r>
+          </a:p>
+          <a:p>
+            <a:r>
+              <a:rPr lang="en-US" b="0" dirty="0">
+                <a:effectLst/>
+                <a:latin typeface="Consolas" panose="020B0609020204030204" pitchFamily="49" charset="0"/>
+              </a:rPr>
+              <a:t>- [ ] Make sure that all team members have write access to the </a:t>
+            </a:r>
+            <a:r>
+              <a:rPr lang="en-US" b="0" dirty="0" err="1">
+                <a:effectLst/>
+                <a:latin typeface="Consolas" panose="020B0609020204030204" pitchFamily="49" charset="0"/>
+              </a:rPr>
+              <a:t>github</a:t>
+            </a:r>
+            <a:r>
+              <a:rPr lang="en-US" b="0" dirty="0">
+                <a:effectLst/>
+                <a:latin typeface="Consolas" panose="020B0609020204030204" pitchFamily="49" charset="0"/>
+              </a:rPr>
+              <a:t> repository</a:t>
+            </a:r>
+          </a:p>
+          <a:p>
+            <a:r>
+              <a:rPr lang="en-US" b="0" dirty="0">
+                <a:effectLst/>
+                <a:latin typeface="Consolas" panose="020B0609020204030204" pitchFamily="49" charset="0"/>
+              </a:rPr>
+              <a:t>- [ ] Create a dedicated environment for you project to keep track of your packages (using </a:t>
+            </a:r>
+            <a:r>
+              <a:rPr lang="en-US" b="0" dirty="0" err="1">
+                <a:effectLst/>
+                <a:latin typeface="Consolas" panose="020B0609020204030204" pitchFamily="49" charset="0"/>
+              </a:rPr>
+              <a:t>conda</a:t>
+            </a:r>
+            <a:r>
+              <a:rPr lang="en-US" b="0" dirty="0">
+                <a:effectLst/>
+                <a:latin typeface="Consolas" panose="020B0609020204030204" pitchFamily="49" charset="0"/>
+              </a:rPr>
+              <a:t>)</a:t>
+            </a:r>
+          </a:p>
+          <a:p>
+            <a:r>
+              <a:rPr lang="en-US" b="0" dirty="0">
+                <a:effectLst/>
+                <a:latin typeface="Consolas" panose="020B0609020204030204" pitchFamily="49" charset="0"/>
+              </a:rPr>
+              <a:t>- [ ] Create the initial file structure using </a:t>
+            </a:r>
+            <a:r>
+              <a:rPr lang="en-US" b="0" dirty="0" err="1">
+                <a:effectLst/>
+                <a:latin typeface="Consolas" panose="020B0609020204030204" pitchFamily="49" charset="0"/>
+              </a:rPr>
+              <a:t>cookiecutter</a:t>
+            </a:r>
+            <a:endParaRPr lang="en-US" b="0" dirty="0">
+              <a:effectLst/>
+              <a:latin typeface="Consolas" panose="020B0609020204030204" pitchFamily="49" charset="0"/>
+            </a:endParaRPr>
+          </a:p>
+          <a:p>
+            <a:r>
+              <a:rPr lang="en-US" b="0" dirty="0">
+                <a:effectLst/>
+                <a:latin typeface="Consolas" panose="020B0609020204030204" pitchFamily="49" charset="0"/>
+              </a:rPr>
+              <a:t>- [ ] Fill out the `make_dataset.py` file such that it downloads whatever data you need and </a:t>
+            </a:r>
+          </a:p>
+          <a:p>
+            <a:r>
+              <a:rPr lang="en-US" b="0" dirty="0">
+                <a:effectLst/>
+                <a:latin typeface="Consolas" panose="020B0609020204030204" pitchFamily="49" charset="0"/>
+              </a:rPr>
+              <a:t>- [ ] Add a model file and a training script and get that running</a:t>
+            </a:r>
+          </a:p>
+          <a:p>
+            <a:r>
+              <a:rPr lang="en-US" b="0" dirty="0">
+                <a:effectLst/>
+                <a:latin typeface="Consolas" panose="020B0609020204030204" pitchFamily="49" charset="0"/>
+              </a:rPr>
+              <a:t>- [ ] Remember to fill out the `requirements.txt` file with whatever dependencies that you are using</a:t>
+            </a:r>
+          </a:p>
+          <a:p>
+            <a:r>
+              <a:rPr lang="en-US" b="0" dirty="0">
+                <a:effectLst/>
+                <a:latin typeface="Consolas" panose="020B0609020204030204" pitchFamily="49" charset="0"/>
+              </a:rPr>
+              <a:t>- [ ] Remember to comply with good coding practices (`pep8`) while doing the project</a:t>
+            </a:r>
+          </a:p>
+          <a:p>
+            <a:r>
+              <a:rPr lang="en-US" b="0" dirty="0">
+                <a:effectLst/>
+                <a:latin typeface="Consolas" panose="020B0609020204030204" pitchFamily="49" charset="0"/>
+              </a:rPr>
+              <a:t>- [ ] Do a bit of code typing and remember to document essential parts of your code</a:t>
+            </a:r>
+          </a:p>
+          <a:p>
+            <a:r>
+              <a:rPr lang="en-US" b="0" dirty="0">
+                <a:effectLst/>
+                <a:latin typeface="Consolas" panose="020B0609020204030204" pitchFamily="49" charset="0"/>
+              </a:rPr>
+              <a:t>- [ ] Setup version control for your data or part of your data</a:t>
+            </a:r>
+          </a:p>
+          <a:p>
+            <a:r>
+              <a:rPr lang="en-US" b="0" dirty="0">
+                <a:effectLst/>
+                <a:latin typeface="Consolas" panose="020B0609020204030204" pitchFamily="49" charset="0"/>
+              </a:rPr>
+              <a:t>- [ ] Construct one or multiple docker files for your code</a:t>
+            </a:r>
+          </a:p>
+          <a:p>
+            <a:r>
+              <a:rPr lang="en-US" b="0" dirty="0">
+                <a:effectLst/>
+                <a:latin typeface="Consolas" panose="020B0609020204030204" pitchFamily="49" charset="0"/>
+              </a:rPr>
+              <a:t>- [ ] Build the docker files locally and make sure they work as intended</a:t>
+            </a:r>
+          </a:p>
+          <a:p>
+            <a:r>
+              <a:rPr lang="en-US" b="0" dirty="0">
+                <a:effectLst/>
+                <a:latin typeface="Consolas" panose="020B0609020204030204" pitchFamily="49" charset="0"/>
+              </a:rPr>
+              <a:t>- [ ] Write one or multiple configurations files for your experiments</a:t>
+            </a:r>
+          </a:p>
+          <a:p>
+            <a:r>
+              <a:rPr lang="en-US" b="0" dirty="0">
+                <a:effectLst/>
+                <a:latin typeface="Consolas" panose="020B0609020204030204" pitchFamily="49" charset="0"/>
+              </a:rPr>
+              <a:t>- [ ] Used Hydra to load the configurations and manage your hyperparameters</a:t>
+            </a:r>
+          </a:p>
+          <a:p>
+            <a:r>
+              <a:rPr lang="en-US" b="0" dirty="0">
+                <a:effectLst/>
+                <a:latin typeface="Consolas" panose="020B0609020204030204" pitchFamily="49" charset="0"/>
+              </a:rPr>
+              <a:t>- [ ] When you have something that works somewhat, remember at some point to </a:t>
+            </a:r>
+            <a:r>
+              <a:rPr lang="en-US" b="0" dirty="0" err="1">
+                <a:effectLst/>
+                <a:latin typeface="Consolas" panose="020B0609020204030204" pitchFamily="49" charset="0"/>
+              </a:rPr>
+              <a:t>to</a:t>
+            </a:r>
+            <a:r>
+              <a:rPr lang="en-US" b="0" dirty="0">
+                <a:effectLst/>
+                <a:latin typeface="Consolas" panose="020B0609020204030204" pitchFamily="49" charset="0"/>
+              </a:rPr>
+              <a:t> some profiling and see if you can optimize your code</a:t>
+            </a:r>
+          </a:p>
+          <a:p>
+            <a:r>
+              <a:rPr lang="en-US" b="0" dirty="0">
+                <a:effectLst/>
+                <a:latin typeface="Consolas" panose="020B0609020204030204" pitchFamily="49" charset="0"/>
+              </a:rPr>
+              <a:t>- [ ] Use </a:t>
+            </a:r>
+            <a:r>
+              <a:rPr lang="en-US" b="0" dirty="0" err="1">
+                <a:effectLst/>
+                <a:latin typeface="Consolas" panose="020B0609020204030204" pitchFamily="49" charset="0"/>
+              </a:rPr>
+              <a:t>wandb</a:t>
+            </a:r>
+            <a:r>
+              <a:rPr lang="en-US" b="0" dirty="0">
+                <a:effectLst/>
+                <a:latin typeface="Consolas" panose="020B0609020204030204" pitchFamily="49" charset="0"/>
+              </a:rPr>
+              <a:t> to log training progress and other important metrics/artifacts in your code</a:t>
+            </a:r>
+          </a:p>
+          <a:p>
+            <a:r>
+              <a:rPr lang="en-US" b="0" dirty="0">
+                <a:effectLst/>
+                <a:latin typeface="Consolas" panose="020B0609020204030204" pitchFamily="49" charset="0"/>
+              </a:rPr>
+              <a:t>- [ ] Use </a:t>
+            </a:r>
+            <a:r>
+              <a:rPr lang="en-US" b="0" dirty="0" err="1">
+                <a:effectLst/>
+                <a:latin typeface="Consolas" panose="020B0609020204030204" pitchFamily="49" charset="0"/>
+              </a:rPr>
+              <a:t>pytorch</a:t>
+            </a:r>
+            <a:r>
+              <a:rPr lang="en-US" b="0" dirty="0">
+                <a:effectLst/>
+                <a:latin typeface="Consolas" panose="020B0609020204030204" pitchFamily="49" charset="0"/>
+              </a:rPr>
+              <a:t>-lightning (if applicable) to reduce the amount of boilerplate in your code</a:t>
+            </a:r>
+          </a:p>
+          <a:p>
+            <a:pPr marL="0" indent="0">
+              <a:buNone/>
+            </a:pPr>
             <a:endParaRPr lang="en-US" dirty="0"/>
           </a:p>
-          <a:p>
-            <a:pPr lvl="1"/>
-            <a:endParaRPr lang="en-US" dirty="0"/>
-          </a:p>
-          <a:p>
-            <a:pPr lvl="1"/>
-            <a:endParaRPr lang="en-US" dirty="0"/>
-          </a:p>
         </p:txBody>
       </p:sp>
       <p:sp>
@@ -4256,7 +4453,7 @@
           <p:cNvPr id="4" name="Date Placeholder 3">
             <a:extLst>
               <a:ext uri="{FF2B5EF4-FFF2-40B4-BE49-F238E27FC236}">
-                <a16:creationId xmlns:a16="http://schemas.microsoft.com/office/drawing/2014/main" id="{4477446C-A366-4610-B055-4045ED282ACD}"/>
+                <a16:creationId xmlns:a16="http://schemas.microsoft.com/office/drawing/2014/main" id="{9C44211C-62D1-4647-8E38-D6A02994B982}"/>
               </a:ext>
             </a:extLst>
           </p:cNvPr>
@@ -4274,7 +4471,7 @@
           <a:p>
             <a:fld id="{019E29B9-5584-4737-9C98-1B926378C778}" type="datetime1">
               <a:rPr lang="en-US" smtClean="0"/>
-              <a:t>6/10/2021</a:t>
+              <a:t>1/7/2022</a:t>
             </a:fld>
             <a:endParaRPr lang="da-DK"/>
           </a:p>
@@ -4285,7 +4482,7 @@
           <p:cNvPr id="5" name="Footer Placeholder 4">
             <a:extLst>
               <a:ext uri="{FF2B5EF4-FFF2-40B4-BE49-F238E27FC236}">
-                <a16:creationId xmlns:a16="http://schemas.microsoft.com/office/drawing/2014/main" id="{50EE9919-82A9-49C7-8B72-19652C5F606A}"/>
+                <a16:creationId xmlns:a16="http://schemas.microsoft.com/office/drawing/2014/main" id="{FEEAC1D5-C8D4-48BE-BEFD-4CA305217A29}"/>
               </a:ext>
             </a:extLst>
           </p:cNvPr>
@@ -4313,7 +4510,7 @@
           <p:cNvPr id="6" name="Slide Number Placeholder 5">
             <a:extLst>
               <a:ext uri="{FF2B5EF4-FFF2-40B4-BE49-F238E27FC236}">
-                <a16:creationId xmlns:a16="http://schemas.microsoft.com/office/drawing/2014/main" id="{9462F580-A352-4FE4-AFB7-909A4BFDA499}"/>
+                <a16:creationId xmlns:a16="http://schemas.microsoft.com/office/drawing/2014/main" id="{A1B7F88F-DA81-4ACC-9EA3-9CF8BBAAEAEE}"/>
               </a:ext>
             </a:extLst>
           </p:cNvPr>
@@ -4340,7 +4537,7 @@
     </p:spTree>
     <p:extLst>
       <p:ext uri="{BB962C8B-B14F-4D97-AF65-F5344CB8AC3E}">
-        <p14:creationId xmlns:p14="http://schemas.microsoft.com/office/powerpoint/2010/main" val="2530386603"/>
+        <p14:creationId xmlns:p14="http://schemas.microsoft.com/office/powerpoint/2010/main" val="819740758"/>
       </p:ext>
     </p:extLst>
   </p:cSld>
@@ -4372,7 +4569,7 @@
           <p:cNvPr id="2" name="Title 1">
             <a:extLst>
               <a:ext uri="{FF2B5EF4-FFF2-40B4-BE49-F238E27FC236}">
-                <a16:creationId xmlns:a16="http://schemas.microsoft.com/office/drawing/2014/main" id="{4092FCFD-9181-423A-A27C-0BB51606A562}"/>
+                <a16:creationId xmlns:a16="http://schemas.microsoft.com/office/drawing/2014/main" id="{193977A8-BC8E-43BD-8538-A3AFE3356DA8}"/>
               </a:ext>
             </a:extLst>
           </p:cNvPr>
@@ -4390,7 +4587,7 @@
           <a:p>
             <a:r>
               <a:rPr lang="da-DK" dirty="0"/>
-              <a:t>Exam format</a:t>
+              <a:t>Hand-in</a:t>
             </a:r>
             <a:endParaRPr lang="en-US" dirty="0"/>
           </a:p>
@@ -4401,7 +4598,7 @@
           <p:cNvPr id="3" name="Content Placeholder 2">
             <a:extLst>
               <a:ext uri="{FF2B5EF4-FFF2-40B4-BE49-F238E27FC236}">
-                <a16:creationId xmlns:a16="http://schemas.microsoft.com/office/drawing/2014/main" id="{994451F5-BA1D-408A-8722-F657D72239DE}"/>
+                <a16:creationId xmlns:a16="http://schemas.microsoft.com/office/drawing/2014/main" id="{3AE7CBB7-FC73-4AEC-99A6-FBAF00D48B7F}"/>
               </a:ext>
             </a:extLst>
           </p:cNvPr>
@@ -4414,75 +4611,19 @@
         </p:nvSpPr>
         <p:spPr/>
         <p:txBody>
-          <a:bodyPr>
-            <a:normAutofit lnSpcReduction="10000"/>
-          </a:bodyPr>
-          <a:lstStyle/>
-          <a:p>
-            <a:pPr marL="0" indent="0">
-              <a:buNone/>
-            </a:pPr>
+          <a:bodyPr/>
+          <a:lstStyle/>
+          <a:p>
             <a:r>
               <a:rPr lang="da-DK" dirty="0"/>
-              <a:t>Thursday 24/6 – internal evaluation by Nicki and Søren</a:t>
-            </a:r>
-          </a:p>
-          <a:p>
-            <a:endParaRPr lang="da-DK" dirty="0"/>
-          </a:p>
-          <a:p>
-            <a:r>
-              <a:rPr lang="da-DK" dirty="0"/>
-              <a:t>Group presentation</a:t>
-            </a:r>
-          </a:p>
-          <a:p>
-            <a:pPr lvl="1"/>
-            <a:r>
-              <a:rPr lang="da-DK" dirty="0"/>
-              <a:t>7-10 minutes of powerpoint/reposatory showcase</a:t>
-            </a:r>
-          </a:p>
-          <a:p>
-            <a:pPr lvl="1"/>
-            <a:r>
-              <a:rPr lang="da-DK" dirty="0"/>
-              <a:t>7-10 minutes of discussion</a:t>
-            </a:r>
-          </a:p>
-          <a:p>
-            <a:endParaRPr lang="da-DK" dirty="0"/>
-          </a:p>
-          <a:p>
-            <a:r>
-              <a:rPr lang="da-DK" dirty="0"/>
-              <a:t>What you will be evaluated on:</a:t>
-            </a:r>
-          </a:p>
-          <a:p>
-            <a:pPr lvl="1"/>
-            <a:r>
-              <a:rPr lang="da-DK" dirty="0"/>
-              <a:t>How well you have included what is though in the course</a:t>
-            </a:r>
+              <a:t>By 17:00 today handin link to github reposatory on DTU Learn</a:t>
+            </a:r>
+            <a:endParaRPr lang="en-US" dirty="0"/>
           </a:p>
           <a:p>
             <a:pPr lvl="1"/>
             <a:endParaRPr lang="en-US" dirty="0"/>
           </a:p>
-          <a:p>
-            <a:r>
-              <a:rPr lang="en-US" dirty="0"/>
-              <a:t>What you will NOT be evaluated on</a:t>
-            </a:r>
-          </a:p>
-          <a:p>
-            <a:pPr lvl="1"/>
-            <a:r>
-              <a:rPr lang="en-US" dirty="0"/>
-              <a:t>How epic your deep learning model is</a:t>
-            </a:r>
-          </a:p>
         </p:txBody>
       </p:sp>
       <p:sp>
@@ -4490,7 +4631,7 @@
           <p:cNvPr id="4" name="Date Placeholder 3">
             <a:extLst>
               <a:ext uri="{FF2B5EF4-FFF2-40B4-BE49-F238E27FC236}">
-                <a16:creationId xmlns:a16="http://schemas.microsoft.com/office/drawing/2014/main" id="{0B05BA15-300F-48E6-AD24-83C561C37188}"/>
+                <a16:creationId xmlns:a16="http://schemas.microsoft.com/office/drawing/2014/main" id="{4477446C-A366-4610-B055-4045ED282ACD}"/>
               </a:ext>
             </a:extLst>
           </p:cNvPr>
@@ -4508,7 +4649,7 @@
           <a:p>
             <a:fld id="{019E29B9-5584-4737-9C98-1B926378C778}" type="datetime1">
               <a:rPr lang="en-US" smtClean="0"/>
-              <a:t>6/10/2021</a:t>
+              <a:t>1/7/2022</a:t>
             </a:fld>
             <a:endParaRPr lang="da-DK"/>
           </a:p>
@@ -4519,7 +4660,7 @@
           <p:cNvPr id="5" name="Footer Placeholder 4">
             <a:extLst>
               <a:ext uri="{FF2B5EF4-FFF2-40B4-BE49-F238E27FC236}">
-                <a16:creationId xmlns:a16="http://schemas.microsoft.com/office/drawing/2014/main" id="{4CE29997-D869-4C1E-8DE6-8533C7B94D34}"/>
+                <a16:creationId xmlns:a16="http://schemas.microsoft.com/office/drawing/2014/main" id="{50EE9919-82A9-49C7-8B72-19652C5F606A}"/>
               </a:ext>
             </a:extLst>
           </p:cNvPr>
@@ -4547,7 +4688,7 @@
           <p:cNvPr id="6" name="Slide Number Placeholder 5">
             <a:extLst>
               <a:ext uri="{FF2B5EF4-FFF2-40B4-BE49-F238E27FC236}">
-                <a16:creationId xmlns:a16="http://schemas.microsoft.com/office/drawing/2014/main" id="{01A3DBA2-C081-4BB6-AC6B-53320518B5BF}"/>
+                <a16:creationId xmlns:a16="http://schemas.microsoft.com/office/drawing/2014/main" id="{9462F580-A352-4FE4-AFB7-909A4BFDA499}"/>
               </a:ext>
             </a:extLst>
           </p:cNvPr>
@@ -4574,7 +4715,7 @@
     </p:spTree>
     <p:extLst>
       <p:ext uri="{BB962C8B-B14F-4D97-AF65-F5344CB8AC3E}">
-        <p14:creationId xmlns:p14="http://schemas.microsoft.com/office/powerpoint/2010/main" val="3961420404"/>
+        <p14:creationId xmlns:p14="http://schemas.microsoft.com/office/powerpoint/2010/main" val="2530386603"/>
       </p:ext>
     </p:extLst>
   </p:cSld>
@@ -4606,7 +4747,7 @@
           <p:cNvPr id="2" name="Title 1">
             <a:extLst>
               <a:ext uri="{FF2B5EF4-FFF2-40B4-BE49-F238E27FC236}">
-                <a16:creationId xmlns:a16="http://schemas.microsoft.com/office/drawing/2014/main" id="{0829D216-FDED-4554-B062-92019D57545A}"/>
+                <a16:creationId xmlns:a16="http://schemas.microsoft.com/office/drawing/2014/main" id="{4092FCFD-9181-423A-A27C-0BB51606A562}"/>
               </a:ext>
             </a:extLst>
           </p:cNvPr>
@@ -4624,7 +4765,7 @@
           <a:p>
             <a:r>
               <a:rPr lang="da-DK" dirty="0"/>
-              <a:t>Some good advice</a:t>
+              <a:t>Exam format</a:t>
             </a:r>
             <a:endParaRPr lang="en-US" dirty="0"/>
           </a:p>
@@ -4635,7 +4776,7 @@
           <p:cNvPr id="3" name="Content Placeholder 2">
             <a:extLst>
               <a:ext uri="{FF2B5EF4-FFF2-40B4-BE49-F238E27FC236}">
-                <a16:creationId xmlns:a16="http://schemas.microsoft.com/office/drawing/2014/main" id="{2C244984-F1F3-4FE7-B19B-0E68E325E506}"/>
+                <a16:creationId xmlns:a16="http://schemas.microsoft.com/office/drawing/2014/main" id="{994451F5-BA1D-408A-8722-F657D72239DE}"/>
               </a:ext>
             </a:extLst>
           </p:cNvPr>
@@ -4648,55 +4789,75 @@
         </p:nvSpPr>
         <p:spPr/>
         <p:txBody>
-          <a:bodyPr/>
-          <a:lstStyle/>
-          <a:p>
-            <a:pPr marL="514350" indent="-514350">
-              <a:buFont typeface="+mj-lt"/>
-              <a:buAutoNum type="arabicPeriod"/>
-            </a:pPr>
-            <a:r>
-              <a:rPr lang="da-DK" dirty="0"/>
-              <a:t>Document everything</a:t>
-            </a:r>
-          </a:p>
-          <a:p>
-            <a:pPr lvl="1"/>
-            <a:r>
-              <a:rPr lang="da-DK" dirty="0"/>
-              <a:t>Take screenshots of your work</a:t>
-            </a:r>
-          </a:p>
-          <a:p>
-            <a:pPr marL="514350" indent="-514350">
-              <a:buFont typeface="+mj-lt"/>
-              <a:buAutoNum type="arabicPeriod"/>
-            </a:pPr>
-            <a:endParaRPr lang="da-DK" dirty="0"/>
-          </a:p>
-          <a:p>
-            <a:pPr marL="514350" indent="-514350">
-              <a:buFont typeface="+mj-lt"/>
-              <a:buAutoNum type="arabicPeriod"/>
-            </a:pPr>
-            <a:r>
-              <a:rPr lang="da-DK" dirty="0"/>
-              <a:t>Parallize work</a:t>
-            </a:r>
-          </a:p>
-          <a:p>
-            <a:pPr lvl="1"/>
-            <a:r>
-              <a:rPr lang="da-DK" dirty="0"/>
-              <a:t>Many of the checkpoints are independent of each other</a:t>
-            </a:r>
-          </a:p>
-          <a:p>
-            <a:pPr marL="457200" lvl="1" indent="0">
+          <a:bodyPr>
+            <a:normAutofit lnSpcReduction="10000"/>
+          </a:bodyPr>
+          <a:lstStyle/>
+          <a:p>
+            <a:pPr marL="0" indent="0">
               <a:buNone/>
             </a:pPr>
+            <a:r>
+              <a:rPr lang="da-DK" dirty="0"/>
+              <a:t>Thursday 24/6 – evaluation by Nicki and Søren</a:t>
+            </a:r>
+          </a:p>
+          <a:p>
             <a:endParaRPr lang="da-DK" dirty="0"/>
           </a:p>
+          <a:p>
+            <a:r>
+              <a:rPr lang="da-DK" dirty="0"/>
+              <a:t>Group presentation</a:t>
+            </a:r>
+          </a:p>
+          <a:p>
+            <a:pPr lvl="1"/>
+            <a:r>
+              <a:rPr lang="da-DK" dirty="0"/>
+              <a:t>6 minutes of powerpoint showcase</a:t>
+            </a:r>
+          </a:p>
+          <a:p>
+            <a:pPr lvl="1"/>
+            <a:r>
+              <a:rPr lang="da-DK" dirty="0"/>
+              <a:t>10 minutes of discussion</a:t>
+            </a:r>
+          </a:p>
+          <a:p>
+            <a:endParaRPr lang="da-DK" dirty="0"/>
+          </a:p>
+          <a:p>
+            <a:r>
+              <a:rPr lang="da-DK" dirty="0"/>
+              <a:t>What you will be evaluated on:</a:t>
+            </a:r>
+          </a:p>
+          <a:p>
+            <a:pPr lvl="1"/>
+            <a:r>
+              <a:rPr lang="da-DK" dirty="0"/>
+              <a:t>How well you have included what we teach you in the course</a:t>
+            </a:r>
+          </a:p>
+          <a:p>
+            <a:pPr lvl="1"/>
+            <a:endParaRPr lang="en-US" dirty="0"/>
+          </a:p>
+          <a:p>
+            <a:r>
+              <a:rPr lang="en-US" dirty="0"/>
+              <a:t>What you will NOT be evaluated on</a:t>
+            </a:r>
+          </a:p>
+          <a:p>
+            <a:pPr lvl="1"/>
+            <a:r>
+              <a:rPr lang="en-US" dirty="0"/>
+              <a:t>How epic your deep learning model is</a:t>
+            </a:r>
+          </a:p>
         </p:txBody>
       </p:sp>
       <p:sp>
@@ -4704,7 +4865,7 @@
           <p:cNvPr id="4" name="Date Placeholder 3">
             <a:extLst>
               <a:ext uri="{FF2B5EF4-FFF2-40B4-BE49-F238E27FC236}">
-                <a16:creationId xmlns:a16="http://schemas.microsoft.com/office/drawing/2014/main" id="{0E250CCD-0B93-4CD2-B481-616E63A64680}"/>
+                <a16:creationId xmlns:a16="http://schemas.microsoft.com/office/drawing/2014/main" id="{0B05BA15-300F-48E6-AD24-83C561C37188}"/>
               </a:ext>
             </a:extLst>
           </p:cNvPr>
@@ -4722,7 +4883,7 @@
           <a:p>
             <a:fld id="{019E29B9-5584-4737-9C98-1B926378C778}" type="datetime1">
               <a:rPr lang="en-US" smtClean="0"/>
-              <a:t>6/10/2021</a:t>
+              <a:t>1/7/2022</a:t>
             </a:fld>
             <a:endParaRPr lang="da-DK"/>
           </a:p>
@@ -4733,7 +4894,7 @@
           <p:cNvPr id="5" name="Footer Placeholder 4">
             <a:extLst>
               <a:ext uri="{FF2B5EF4-FFF2-40B4-BE49-F238E27FC236}">
-                <a16:creationId xmlns:a16="http://schemas.microsoft.com/office/drawing/2014/main" id="{461D8443-4C18-4F9E-A25B-3AEFA22C4659}"/>
+                <a16:creationId xmlns:a16="http://schemas.microsoft.com/office/drawing/2014/main" id="{4CE29997-D869-4C1E-8DE6-8533C7B94D34}"/>
               </a:ext>
             </a:extLst>
           </p:cNvPr>
@@ -4761,7 +4922,7 @@
           <p:cNvPr id="6" name="Slide Number Placeholder 5">
             <a:extLst>
               <a:ext uri="{FF2B5EF4-FFF2-40B4-BE49-F238E27FC236}">
-                <a16:creationId xmlns:a16="http://schemas.microsoft.com/office/drawing/2014/main" id="{960D0564-891D-4365-8916-95550D1E5455}"/>
+                <a16:creationId xmlns:a16="http://schemas.microsoft.com/office/drawing/2014/main" id="{01A3DBA2-C081-4BB6-AC6B-53320518B5BF}"/>
               </a:ext>
             </a:extLst>
           </p:cNvPr>
@@ -4788,7 +4949,7 @@
     </p:spTree>
     <p:extLst>
       <p:ext uri="{BB962C8B-B14F-4D97-AF65-F5344CB8AC3E}">
-        <p14:creationId xmlns:p14="http://schemas.microsoft.com/office/powerpoint/2010/main" val="4258491616"/>
+        <p14:creationId xmlns:p14="http://schemas.microsoft.com/office/powerpoint/2010/main" val="3961420404"/>
       </p:ext>
     </p:extLst>
   </p:cSld>
@@ -4820,6 +4981,220 @@
           <p:cNvPr id="2" name="Title 1">
             <a:extLst>
               <a:ext uri="{FF2B5EF4-FFF2-40B4-BE49-F238E27FC236}">
+                <a16:creationId xmlns:a16="http://schemas.microsoft.com/office/drawing/2014/main" id="{0829D216-FDED-4554-B062-92019D57545A}"/>
+              </a:ext>
+            </a:extLst>
+          </p:cNvPr>
+          <p:cNvSpPr>
+            <a:spLocks noGrp="1"/>
+          </p:cNvSpPr>
+          <p:nvPr>
+            <p:ph type="title"/>
+          </p:nvPr>
+        </p:nvSpPr>
+        <p:spPr/>
+        <p:txBody>
+          <a:bodyPr/>
+          <a:lstStyle/>
+          <a:p>
+            <a:r>
+              <a:rPr lang="da-DK" dirty="0"/>
+              <a:t>Some good advice</a:t>
+            </a:r>
+            <a:endParaRPr lang="en-US" dirty="0"/>
+          </a:p>
+        </p:txBody>
+      </p:sp>
+      <p:sp>
+        <p:nvSpPr>
+          <p:cNvPr id="3" name="Content Placeholder 2">
+            <a:extLst>
+              <a:ext uri="{FF2B5EF4-FFF2-40B4-BE49-F238E27FC236}">
+                <a16:creationId xmlns:a16="http://schemas.microsoft.com/office/drawing/2014/main" id="{2C244984-F1F3-4FE7-B19B-0E68E325E506}"/>
+              </a:ext>
+            </a:extLst>
+          </p:cNvPr>
+          <p:cNvSpPr>
+            <a:spLocks noGrp="1"/>
+          </p:cNvSpPr>
+          <p:nvPr>
+            <p:ph idx="1"/>
+          </p:nvPr>
+        </p:nvSpPr>
+        <p:spPr/>
+        <p:txBody>
+          <a:bodyPr/>
+          <a:lstStyle/>
+          <a:p>
+            <a:pPr marL="514350" indent="-514350">
+              <a:buFont typeface="+mj-lt"/>
+              <a:buAutoNum type="arabicPeriod"/>
+            </a:pPr>
+            <a:r>
+              <a:rPr lang="da-DK" dirty="0"/>
+              <a:t>Document everything</a:t>
+            </a:r>
+          </a:p>
+          <a:p>
+            <a:pPr lvl="1"/>
+            <a:r>
+              <a:rPr lang="da-DK" dirty="0"/>
+              <a:t>Take screenshots of your work</a:t>
+            </a:r>
+          </a:p>
+          <a:p>
+            <a:pPr marL="514350" indent="-514350">
+              <a:buFont typeface="+mj-lt"/>
+              <a:buAutoNum type="arabicPeriod"/>
+            </a:pPr>
+            <a:endParaRPr lang="da-DK" dirty="0"/>
+          </a:p>
+          <a:p>
+            <a:pPr marL="514350" indent="-514350">
+              <a:buFont typeface="+mj-lt"/>
+              <a:buAutoNum type="arabicPeriod"/>
+            </a:pPr>
+            <a:r>
+              <a:rPr lang="da-DK" dirty="0"/>
+              <a:t>Parallize work</a:t>
+            </a:r>
+          </a:p>
+          <a:p>
+            <a:pPr lvl="1"/>
+            <a:r>
+              <a:rPr lang="da-DK" dirty="0"/>
+              <a:t>Many of the checkpoints are independent of each other</a:t>
+            </a:r>
+          </a:p>
+          <a:p>
+            <a:pPr marL="457200" lvl="1" indent="0">
+              <a:buNone/>
+            </a:pPr>
+            <a:endParaRPr lang="da-DK" dirty="0"/>
+          </a:p>
+        </p:txBody>
+      </p:sp>
+      <p:sp>
+        <p:nvSpPr>
+          <p:cNvPr id="4" name="Date Placeholder 3">
+            <a:extLst>
+              <a:ext uri="{FF2B5EF4-FFF2-40B4-BE49-F238E27FC236}">
+                <a16:creationId xmlns:a16="http://schemas.microsoft.com/office/drawing/2014/main" id="{0E250CCD-0B93-4CD2-B481-616E63A64680}"/>
+              </a:ext>
+            </a:extLst>
+          </p:cNvPr>
+          <p:cNvSpPr>
+            <a:spLocks noGrp="1"/>
+          </p:cNvSpPr>
+          <p:nvPr>
+            <p:ph type="dt" sz="half" idx="10"/>
+          </p:nvPr>
+        </p:nvSpPr>
+        <p:spPr/>
+        <p:txBody>
+          <a:bodyPr/>
+          <a:lstStyle/>
+          <a:p>
+            <a:fld id="{019E29B9-5584-4737-9C98-1B926378C778}" type="datetime1">
+              <a:rPr lang="en-US" smtClean="0"/>
+              <a:t>1/7/2022</a:t>
+            </a:fld>
+            <a:endParaRPr lang="da-DK"/>
+          </a:p>
+        </p:txBody>
+      </p:sp>
+      <p:sp>
+        <p:nvSpPr>
+          <p:cNvPr id="5" name="Footer Placeholder 4">
+            <a:extLst>
+              <a:ext uri="{FF2B5EF4-FFF2-40B4-BE49-F238E27FC236}">
+                <a16:creationId xmlns:a16="http://schemas.microsoft.com/office/drawing/2014/main" id="{461D8443-4C18-4F9E-A25B-3AEFA22C4659}"/>
+              </a:ext>
+            </a:extLst>
+          </p:cNvPr>
+          <p:cNvSpPr>
+            <a:spLocks noGrp="1"/>
+          </p:cNvSpPr>
+          <p:nvPr>
+            <p:ph type="ftr" sz="quarter" idx="11"/>
+          </p:nvPr>
+        </p:nvSpPr>
+        <p:spPr/>
+        <p:txBody>
+          <a:bodyPr/>
+          <a:lstStyle/>
+          <a:p>
+            <a:r>
+              <a:rPr lang="da-DK"/>
+              <a:t>Nicki Skafte Detlefsen</a:t>
+            </a:r>
+          </a:p>
+        </p:txBody>
+      </p:sp>
+      <p:sp>
+        <p:nvSpPr>
+          <p:cNvPr id="6" name="Slide Number Placeholder 5">
+            <a:extLst>
+              <a:ext uri="{FF2B5EF4-FFF2-40B4-BE49-F238E27FC236}">
+                <a16:creationId xmlns:a16="http://schemas.microsoft.com/office/drawing/2014/main" id="{960D0564-891D-4365-8916-95550D1E5455}"/>
+              </a:ext>
+            </a:extLst>
+          </p:cNvPr>
+          <p:cNvSpPr>
+            <a:spLocks noGrp="1"/>
+          </p:cNvSpPr>
+          <p:nvPr>
+            <p:ph type="sldNum" sz="quarter" idx="12"/>
+          </p:nvPr>
+        </p:nvSpPr>
+        <p:spPr/>
+        <p:txBody>
+          <a:bodyPr/>
+          <a:lstStyle/>
+          <a:p>
+            <a:fld id="{F6FEDE24-D50C-481B-A7B4-8AF13899101A}" type="slidenum">
+              <a:rPr lang="da-DK" smtClean="0"/>
+              <a:t>13</a:t>
+            </a:fld>
+            <a:endParaRPr lang="da-DK"/>
+          </a:p>
+        </p:txBody>
+      </p:sp>
+    </p:spTree>
+    <p:extLst>
+      <p:ext uri="{BB962C8B-B14F-4D97-AF65-F5344CB8AC3E}">
+        <p14:creationId xmlns:p14="http://schemas.microsoft.com/office/powerpoint/2010/main" val="4258491616"/>
+      </p:ext>
+    </p:extLst>
+  </p:cSld>
+  <p:clrMapOvr>
+    <a:masterClrMapping/>
+  </p:clrMapOvr>
+</p:sld>
+</file>
+
+<file path=ppt/slides/slide14.xml><?xml version="1.0" encoding="utf-8"?>
+<p:sld xmlns:a="http://schemas.openxmlformats.org/drawingml/2006/main" xmlns:r="http://schemas.openxmlformats.org/officeDocument/2006/relationships" xmlns:p="http://schemas.openxmlformats.org/presentationml/2006/main">
+  <p:cSld>
+    <p:spTree>
+      <p:nvGrpSpPr>
+        <p:cNvPr id="1" name=""/>
+        <p:cNvGrpSpPr/>
+        <p:nvPr/>
+      </p:nvGrpSpPr>
+      <p:grpSpPr>
+        <a:xfrm>
+          <a:off x="0" y="0"/>
+          <a:ext cx="0" cy="0"/>
+          <a:chOff x="0" y="0"/>
+          <a:chExt cx="0" cy="0"/>
+        </a:xfrm>
+      </p:grpSpPr>
+      <p:sp>
+        <p:nvSpPr>
+          <p:cNvPr id="2" name="Title 1">
+            <a:extLst>
+              <a:ext uri="{FF2B5EF4-FFF2-40B4-BE49-F238E27FC236}">
                 <a16:creationId xmlns:a16="http://schemas.microsoft.com/office/drawing/2014/main" id="{DAAF12DC-472B-4471-8984-BD15B2C98ED1}"/>
               </a:ext>
             </a:extLst>
@@ -4902,7 +5277,7 @@
           <a:p>
             <a:fld id="{019E29B9-5584-4737-9C98-1B926378C778}" type="datetime1">
               <a:rPr lang="en-US" smtClean="0"/>
-              <a:t>6/10/2021</a:t>
+              <a:t>1/7/2022</a:t>
             </a:fld>
             <a:endParaRPr lang="da-DK"/>
           </a:p>
@@ -4959,7 +5334,7 @@
           <a:p>
             <a:fld id="{F6FEDE24-D50C-481B-A7B4-8AF13899101A}" type="slidenum">
               <a:rPr lang="da-DK" smtClean="0"/>
-              <a:t>13</a:t>
+              <a:t>14</a:t>
             </a:fld>
             <a:endParaRPr lang="da-DK"/>
           </a:p>
@@ -5082,7 +5457,7 @@
           <a:p>
             <a:fld id="{019E29B9-5584-4737-9C98-1B926378C778}" type="datetime1">
               <a:rPr lang="en-US" smtClean="0"/>
-              <a:t>6/10/2021</a:t>
+              <a:t>1/7/2022</a:t>
             </a:fld>
             <a:endParaRPr lang="da-DK"/>
           </a:p>
@@ -5227,8 +5602,8 @@
           <a:lstStyle/>
           <a:p>
             <a:r>
-              <a:rPr lang="da-DK" dirty="0"/>
-              <a:t>Fremwork categorising</a:t>
+              <a:rPr lang="en-US" dirty="0"/>
+              <a:t>Framework categorizing</a:t>
             </a:r>
           </a:p>
         </p:txBody>
@@ -5808,7 +6183,7 @@
           <a:p>
             <a:fld id="{019E29B9-5584-4737-9C98-1B926378C778}" type="datetime1">
               <a:rPr lang="en-US" smtClean="0"/>
-              <a:t>6/10/2021</a:t>
+              <a:t>1/7/2022</a:t>
             </a:fld>
             <a:endParaRPr lang="da-DK"/>
           </a:p>
@@ -6068,7 +6443,7 @@
           <a:p>
             <a:fld id="{019E29B9-5584-4737-9C98-1B926378C778}" type="datetime1">
               <a:rPr lang="en-US" smtClean="0"/>
-              <a:t>6/10/2021</a:t>
+              <a:t>1/7/2022</a:t>
             </a:fld>
             <a:endParaRPr lang="da-DK"/>
           </a:p>
@@ -6316,7 +6691,7 @@
           <a:p>
             <a:fld id="{019E29B9-5584-4737-9C98-1B926378C778}" type="datetime1">
               <a:rPr lang="en-US" smtClean="0"/>
-              <a:t>6/10/2021</a:t>
+              <a:t>1/7/2022</a:t>
             </a:fld>
             <a:endParaRPr lang="da-DK"/>
           </a:p>
@@ -6553,7 +6928,7 @@
           <a:p>
             <a:fld id="{019E29B9-5584-4737-9C98-1B926378C778}" type="datetime1">
               <a:rPr lang="en-US" smtClean="0"/>
-              <a:t>6/10/2021</a:t>
+              <a:t>1/7/2022</a:t>
             </a:fld>
             <a:endParaRPr lang="da-DK"/>
           </a:p>
@@ -6727,7 +7102,7 @@
           <a:p>
             <a:fld id="{019E29B9-5584-4737-9C98-1B926378C778}" type="datetime1">
               <a:rPr lang="en-US" smtClean="0"/>
-              <a:t>6/10/2021</a:t>
+              <a:t>1/7/2022</a:t>
             </a:fld>
             <a:endParaRPr lang="da-DK"/>
           </a:p>
@@ -6907,7 +7282,7 @@
           <p:cNvPr id="2" name="Title 1">
             <a:extLst>
               <a:ext uri="{FF2B5EF4-FFF2-40B4-BE49-F238E27FC236}">
-                <a16:creationId xmlns:a16="http://schemas.microsoft.com/office/drawing/2014/main" id="{E6691699-BE9E-42FE-80F9-45EA5C46F804}"/>
+                <a16:creationId xmlns:a16="http://schemas.microsoft.com/office/drawing/2014/main" id="{5991BD8A-7B64-410A-8405-6EB5C75480E1}"/>
               </a:ext>
             </a:extLst>
           </p:cNvPr>
@@ -6925,112 +7300,8 @@
           <a:p>
             <a:r>
               <a:rPr lang="da-DK" dirty="0"/>
-              <a:t>Summary</a:t>
-            </a:r>
-          </a:p>
-        </p:txBody>
-      </p:sp>
-      <p:sp>
-        <p:nvSpPr>
-          <p:cNvPr id="3" name="Content Placeholder 2">
-            <a:extLst>
-              <a:ext uri="{FF2B5EF4-FFF2-40B4-BE49-F238E27FC236}">
-                <a16:creationId xmlns:a16="http://schemas.microsoft.com/office/drawing/2014/main" id="{44F8EFC5-6B08-4F6F-9980-DDFFB215617F}"/>
-              </a:ext>
-            </a:extLst>
-          </p:cNvPr>
-          <p:cNvSpPr>
-            <a:spLocks noGrp="1"/>
-          </p:cNvSpPr>
-          <p:nvPr>
-            <p:ph idx="1"/>
-          </p:nvPr>
-        </p:nvSpPr>
-        <p:spPr/>
-        <p:txBody>
-          <a:bodyPr>
-            <a:normAutofit lnSpcReduction="10000"/>
-          </a:bodyPr>
-          <a:lstStyle/>
-          <a:p>
-            <a:r>
-              <a:rPr lang="en-US" dirty="0"/>
-              <a:t>Pick a framework (try running their notebooks/examples!):</a:t>
-            </a:r>
-          </a:p>
-          <a:p>
-            <a:pPr lvl="1"/>
-            <a:r>
-              <a:rPr lang="en-US" dirty="0"/>
-              <a:t>Project 1: NLP</a:t>
-            </a:r>
-          </a:p>
-          <a:p>
-            <a:pPr lvl="1"/>
-            <a:r>
-              <a:rPr lang="en-US" dirty="0"/>
-              <a:t>Project 2: CV</a:t>
-            </a:r>
-          </a:p>
-          <a:p>
-            <a:pPr lvl="1"/>
-            <a:r>
-              <a:rPr lang="en-US" dirty="0"/>
-              <a:t>Project 3: Graphs and points</a:t>
-            </a:r>
-          </a:p>
-          <a:p>
-            <a:pPr lvl="1"/>
-            <a:endParaRPr lang="en-US" dirty="0"/>
-          </a:p>
-          <a:p>
-            <a:r>
-              <a:rPr lang="en-US" dirty="0"/>
-              <a:t>Brainstorm a project. It does not have to be particular big as you only have 4 full days for working on it</a:t>
-            </a:r>
-          </a:p>
-          <a:p>
-            <a:endParaRPr lang="en-US" dirty="0"/>
-          </a:p>
-          <a:p>
-            <a:r>
-              <a:rPr lang="en-US" dirty="0"/>
-              <a:t>Write a small (max 1 page) project description including:</a:t>
-            </a:r>
-          </a:p>
-          <a:p>
-            <a:pPr lvl="1"/>
-            <a:r>
-              <a:rPr lang="en-US" dirty="0"/>
-              <a:t>What model do intent to implement</a:t>
-            </a:r>
-          </a:p>
-          <a:p>
-            <a:pPr lvl="1"/>
-            <a:r>
-              <a:rPr lang="en-US" dirty="0"/>
-              <a:t>What data are you going to use</a:t>
-            </a:r>
-          </a:p>
-          <a:p>
-            <a:pPr lvl="1"/>
-            <a:r>
-              <a:rPr lang="en-US" dirty="0"/>
-              <a:t>How you think the chosen framework can be incorporated</a:t>
-            </a:r>
-          </a:p>
-          <a:p>
-            <a:pPr lvl="1"/>
-            <a:endParaRPr lang="en-US" dirty="0"/>
-          </a:p>
-          <a:p>
-            <a:endParaRPr lang="en-US" dirty="0"/>
-          </a:p>
-          <a:p>
-            <a:endParaRPr lang="en-US" dirty="0"/>
-          </a:p>
-          <a:p>
-            <a:endParaRPr lang="en-US" dirty="0"/>
+              <a:t>Getting a good idea</a:t>
+            </a:r>
           </a:p>
         </p:txBody>
       </p:sp>
@@ -7039,7 +7310,7 @@
           <p:cNvPr id="4" name="Date Placeholder 3">
             <a:extLst>
               <a:ext uri="{FF2B5EF4-FFF2-40B4-BE49-F238E27FC236}">
-                <a16:creationId xmlns:a16="http://schemas.microsoft.com/office/drawing/2014/main" id="{E938B605-623F-4071-9343-7614EB011B21}"/>
+                <a16:creationId xmlns:a16="http://schemas.microsoft.com/office/drawing/2014/main" id="{0AC7AD90-0A79-4A53-9180-95642D720E9B}"/>
               </a:ext>
             </a:extLst>
           </p:cNvPr>
@@ -7057,7 +7328,7 @@
           <a:p>
             <a:fld id="{019E29B9-5584-4737-9C98-1B926378C778}" type="datetime1">
               <a:rPr lang="en-US" smtClean="0"/>
-              <a:t>6/10/2021</a:t>
+              <a:t>1/7/2022</a:t>
             </a:fld>
             <a:endParaRPr lang="da-DK"/>
           </a:p>
@@ -7068,7 +7339,7 @@
           <p:cNvPr id="5" name="Footer Placeholder 4">
             <a:extLst>
               <a:ext uri="{FF2B5EF4-FFF2-40B4-BE49-F238E27FC236}">
-                <a16:creationId xmlns:a16="http://schemas.microsoft.com/office/drawing/2014/main" id="{8118F98A-C265-4194-AF7D-8AC2CCBCC533}"/>
+                <a16:creationId xmlns:a16="http://schemas.microsoft.com/office/drawing/2014/main" id="{EE6C10D3-A7B1-49A4-992F-92340BD523D3}"/>
               </a:ext>
             </a:extLst>
           </p:cNvPr>
@@ -7096,7 +7367,7 @@
           <p:cNvPr id="6" name="Slide Number Placeholder 5">
             <a:extLst>
               <a:ext uri="{FF2B5EF4-FFF2-40B4-BE49-F238E27FC236}">
-                <a16:creationId xmlns:a16="http://schemas.microsoft.com/office/drawing/2014/main" id="{DB08F69D-C565-4D09-81F4-CA1B8D0574E4}"/>
+                <a16:creationId xmlns:a16="http://schemas.microsoft.com/office/drawing/2014/main" id="{6FCAE2EB-4837-4B5B-B1C5-BBC2052D3C13}"/>
               </a:ext>
             </a:extLst>
           </p:cNvPr>
@@ -7120,10 +7391,40 @@
           </a:p>
         </p:txBody>
       </p:sp>
+      <p:pic>
+        <p:nvPicPr>
+          <p:cNvPr id="7" name="Picture 6">
+            <a:extLst>
+              <a:ext uri="{FF2B5EF4-FFF2-40B4-BE49-F238E27FC236}">
+                <a16:creationId xmlns:a16="http://schemas.microsoft.com/office/drawing/2014/main" id="{3D21245F-CA72-411B-B9E6-6281D3423085}"/>
+              </a:ext>
+            </a:extLst>
+          </p:cNvPr>
+          <p:cNvPicPr>
+            <a:picLocks noChangeAspect="1"/>
+          </p:cNvPicPr>
+          <p:nvPr/>
+        </p:nvPicPr>
+        <p:blipFill>
+          <a:blip r:embed="rId2"/>
+          <a:stretch>
+            <a:fillRect/>
+          </a:stretch>
+        </p:blipFill>
+        <p:spPr>
+          <a:xfrm>
+            <a:off x="1149290" y="717375"/>
+            <a:ext cx="10024845" cy="5638975"/>
+          </a:xfrm>
+          <a:prstGeom prst="rect">
+            <a:avLst/>
+          </a:prstGeom>
+        </p:spPr>
+      </p:pic>
     </p:spTree>
     <p:extLst>
       <p:ext uri="{BB962C8B-B14F-4D97-AF65-F5344CB8AC3E}">
-        <p14:creationId xmlns:p14="http://schemas.microsoft.com/office/powerpoint/2010/main" val="2909565782"/>
+        <p14:creationId xmlns:p14="http://schemas.microsoft.com/office/powerpoint/2010/main" val="450356736"/>
       </p:ext>
     </p:extLst>
   </p:cSld>
@@ -7155,7 +7456,7 @@
           <p:cNvPr id="2" name="Title 1">
             <a:extLst>
               <a:ext uri="{FF2B5EF4-FFF2-40B4-BE49-F238E27FC236}">
-                <a16:creationId xmlns:a16="http://schemas.microsoft.com/office/drawing/2014/main" id="{EAD7DB5E-054C-43B6-90FE-038F335813E3}"/>
+                <a16:creationId xmlns:a16="http://schemas.microsoft.com/office/drawing/2014/main" id="{E6691699-BE9E-42FE-80F9-45EA5C46F804}"/>
               </a:ext>
             </a:extLst>
           </p:cNvPr>
@@ -7173,150 +7474,112 @@
           <a:p>
             <a:r>
               <a:rPr lang="da-DK" dirty="0"/>
-              <a:t>Checklist (also in todays readme)</a:t>
-            </a:r>
+              <a:t>Summary</a:t>
+            </a:r>
+          </a:p>
+        </p:txBody>
+      </p:sp>
+      <p:sp>
+        <p:nvSpPr>
+          <p:cNvPr id="3" name="Content Placeholder 2">
+            <a:extLst>
+              <a:ext uri="{FF2B5EF4-FFF2-40B4-BE49-F238E27FC236}">
+                <a16:creationId xmlns:a16="http://schemas.microsoft.com/office/drawing/2014/main" id="{44F8EFC5-6B08-4F6F-9980-DDFFB215617F}"/>
+              </a:ext>
+            </a:extLst>
+          </p:cNvPr>
+          <p:cNvSpPr>
+            <a:spLocks noGrp="1"/>
+          </p:cNvSpPr>
+          <p:nvPr>
+            <p:ph idx="1"/>
+          </p:nvPr>
+        </p:nvSpPr>
+        <p:spPr/>
+        <p:txBody>
+          <a:bodyPr>
+            <a:normAutofit lnSpcReduction="10000"/>
+          </a:bodyPr>
+          <a:lstStyle/>
+          <a:p>
+            <a:r>
+              <a:rPr lang="en-US" dirty="0"/>
+              <a:t>Pick a framework (try running their notebooks/examples!):</a:t>
+            </a:r>
+          </a:p>
+          <a:p>
+            <a:pPr lvl="1"/>
+            <a:r>
+              <a:rPr lang="en-US" dirty="0"/>
+              <a:t>Project 1: NLP</a:t>
+            </a:r>
+          </a:p>
+          <a:p>
+            <a:pPr lvl="1"/>
+            <a:r>
+              <a:rPr lang="en-US" dirty="0"/>
+              <a:t>Project 2: CV</a:t>
+            </a:r>
+          </a:p>
+          <a:p>
+            <a:pPr lvl="1"/>
+            <a:r>
+              <a:rPr lang="en-US" dirty="0"/>
+              <a:t>Project 3: Graphs and points</a:t>
+            </a:r>
+          </a:p>
+          <a:p>
+            <a:pPr lvl="1"/>
             <a:endParaRPr lang="en-US" dirty="0"/>
           </a:p>
-        </p:txBody>
-      </p:sp>
-      <p:sp>
-        <p:nvSpPr>
-          <p:cNvPr id="3" name="Content Placeholder 2">
-            <a:extLst>
-              <a:ext uri="{FF2B5EF4-FFF2-40B4-BE49-F238E27FC236}">
-                <a16:creationId xmlns:a16="http://schemas.microsoft.com/office/drawing/2014/main" id="{681ADD06-75D9-483D-9A2D-16CA1E5C7BDD}"/>
-              </a:ext>
-            </a:extLst>
-          </p:cNvPr>
-          <p:cNvSpPr>
-            <a:spLocks noGrp="1"/>
-          </p:cNvSpPr>
-          <p:nvPr>
-            <p:ph idx="1"/>
-          </p:nvPr>
-        </p:nvSpPr>
-        <p:spPr/>
-        <p:txBody>
-          <a:bodyPr>
-            <a:normAutofit fontScale="70000" lnSpcReduction="20000"/>
-          </a:bodyPr>
-          <a:lstStyle/>
           <a:p>
             <a:r>
               <a:rPr lang="en-US" dirty="0"/>
-              <a:t>Create a git repository</a:t>
-            </a:r>
+              <a:t>Brainstorm a project. It does not have to be particular big as you only have 4½ full days for working on it</a:t>
+            </a:r>
+          </a:p>
+          <a:p>
+            <a:endParaRPr lang="en-US" dirty="0"/>
           </a:p>
           <a:p>
             <a:r>
               <a:rPr lang="en-US" dirty="0"/>
-              <a:t>Make sure that all team members have write access to the </a:t>
-            </a:r>
-            <a:r>
-              <a:rPr lang="en-US" dirty="0" err="1"/>
-              <a:t>github</a:t>
-            </a:r>
+              <a:t>Write a small (max 1 page) project description including:</a:t>
+            </a:r>
+          </a:p>
+          <a:p>
+            <a:pPr lvl="1"/>
             <a:r>
               <a:rPr lang="en-US" dirty="0"/>
-              <a:t> repository</a:t>
-            </a:r>
-          </a:p>
-          <a:p>
+              <a:t>What model do intent to implement</a:t>
+            </a:r>
+          </a:p>
+          <a:p>
+            <a:pPr lvl="1"/>
             <a:r>
               <a:rPr lang="en-US" dirty="0"/>
-              <a:t>Create a dedicated environment for you project to keep track of your packages</a:t>
-            </a:r>
-          </a:p>
-          <a:p>
+              <a:t>What data are you going to use</a:t>
+            </a:r>
+          </a:p>
+          <a:p>
+            <a:pPr lvl="1"/>
             <a:r>
               <a:rPr lang="en-US" dirty="0"/>
-              <a:t>Create the initial file structure using </a:t>
-            </a:r>
-            <a:r>
-              <a:rPr lang="en-US" dirty="0" err="1"/>
-              <a:t>cookiecutter</a:t>
-            </a:r>
+              <a:t>How you think the chosen framework can be incorporated</a:t>
+            </a:r>
+          </a:p>
+          <a:p>
+            <a:pPr lvl="1"/>
             <a:endParaRPr lang="en-US" dirty="0"/>
           </a:p>
           <a:p>
-            <a:r>
-              <a:rPr lang="en-US" dirty="0"/>
-              <a:t>Fill out the `make_dataset.py` file such that it downloads whatever data you need and </a:t>
-            </a:r>
-          </a:p>
-          <a:p>
-            <a:r>
-              <a:rPr lang="en-US" dirty="0"/>
-              <a:t>Add a model file and a training script and get that running</a:t>
-            </a:r>
-          </a:p>
-          <a:p>
-            <a:r>
-              <a:rPr lang="en-US" dirty="0"/>
-              <a:t>When you have something that works somewhat, remember at some point to </a:t>
-            </a:r>
-            <a:r>
-              <a:rPr lang="en-US" dirty="0" err="1"/>
-              <a:t>to</a:t>
-            </a:r>
-            <a:r>
-              <a:rPr lang="en-US" dirty="0"/>
-              <a:t> some profiling and see if you can optimize your code</a:t>
-            </a:r>
-          </a:p>
-          <a:p>
-            <a:r>
-              <a:rPr lang="en-US" dirty="0"/>
-              <a:t>Remember to fill out the `requirement.py` file with whatever dependencies that you are using</a:t>
-            </a:r>
-          </a:p>
-          <a:p>
-            <a:r>
-              <a:rPr lang="en-US" dirty="0"/>
-              <a:t>Write unit tests for some part of the codebase and calculate the </a:t>
-            </a:r>
-          </a:p>
-          <a:p>
-            <a:r>
-              <a:rPr lang="en-US" dirty="0"/>
-              <a:t>Get some continues integration running on the </a:t>
-            </a:r>
-            <a:r>
-              <a:rPr lang="en-US" dirty="0" err="1"/>
-              <a:t>github</a:t>
-            </a:r>
-            <a:r>
-              <a:rPr lang="en-US" dirty="0"/>
-              <a:t> repository</a:t>
-            </a:r>
-          </a:p>
-          <a:p>
-            <a:r>
-              <a:rPr lang="en-US" dirty="0"/>
-              <a:t>Use either </a:t>
-            </a:r>
-            <a:r>
-              <a:rPr lang="en-US" dirty="0" err="1"/>
-              <a:t>tensorboard</a:t>
-            </a:r>
-            <a:r>
-              <a:rPr lang="en-US" dirty="0"/>
-              <a:t> or </a:t>
-            </a:r>
-            <a:r>
-              <a:rPr lang="en-US" dirty="0" err="1"/>
-              <a:t>wandb</a:t>
-            </a:r>
-            <a:r>
-              <a:rPr lang="en-US" dirty="0"/>
-              <a:t> to log training progress and other important metrics/artifacts in your code</a:t>
-            </a:r>
-          </a:p>
-          <a:p>
-            <a:r>
-              <a:rPr lang="en-US" dirty="0"/>
-              <a:t>Remember to comply with good coding practices while doing the project</a:t>
-            </a:r>
+            <a:endParaRPr lang="en-US" dirty="0"/>
+          </a:p>
+          <a:p>
+            <a:endParaRPr lang="en-US" dirty="0"/>
+          </a:p>
+          <a:p>
+            <a:endParaRPr lang="en-US" dirty="0"/>
           </a:p>
         </p:txBody>
       </p:sp>
@@ -7325,7 +7588,7 @@
           <p:cNvPr id="4" name="Date Placeholder 3">
             <a:extLst>
               <a:ext uri="{FF2B5EF4-FFF2-40B4-BE49-F238E27FC236}">
-                <a16:creationId xmlns:a16="http://schemas.microsoft.com/office/drawing/2014/main" id="{9C44211C-62D1-4647-8E38-D6A02994B982}"/>
+                <a16:creationId xmlns:a16="http://schemas.microsoft.com/office/drawing/2014/main" id="{E938B605-623F-4071-9343-7614EB011B21}"/>
               </a:ext>
             </a:extLst>
           </p:cNvPr>
@@ -7343,7 +7606,7 @@
           <a:p>
             <a:fld id="{019E29B9-5584-4737-9C98-1B926378C778}" type="datetime1">
               <a:rPr lang="en-US" smtClean="0"/>
-              <a:t>6/10/2021</a:t>
+              <a:t>1/7/2022</a:t>
             </a:fld>
             <a:endParaRPr lang="da-DK"/>
           </a:p>
@@ -7354,7 +7617,7 @@
           <p:cNvPr id="5" name="Footer Placeholder 4">
             <a:extLst>
               <a:ext uri="{FF2B5EF4-FFF2-40B4-BE49-F238E27FC236}">
-                <a16:creationId xmlns:a16="http://schemas.microsoft.com/office/drawing/2014/main" id="{FEEAC1D5-C8D4-48BE-BEFD-4CA305217A29}"/>
+                <a16:creationId xmlns:a16="http://schemas.microsoft.com/office/drawing/2014/main" id="{8118F98A-C265-4194-AF7D-8AC2CCBCC533}"/>
               </a:ext>
             </a:extLst>
           </p:cNvPr>
@@ -7382,7 +7645,7 @@
           <p:cNvPr id="6" name="Slide Number Placeholder 5">
             <a:extLst>
               <a:ext uri="{FF2B5EF4-FFF2-40B4-BE49-F238E27FC236}">
-                <a16:creationId xmlns:a16="http://schemas.microsoft.com/office/drawing/2014/main" id="{A1B7F88F-DA81-4ACC-9EA3-9CF8BBAAEAEE}"/>
+                <a16:creationId xmlns:a16="http://schemas.microsoft.com/office/drawing/2014/main" id="{DB08F69D-C565-4D09-81F4-CA1B8D0574E4}"/>
               </a:ext>
             </a:extLst>
           </p:cNvPr>
@@ -7409,7 +7672,7 @@
     </p:spTree>
     <p:extLst>
       <p:ext uri="{BB962C8B-B14F-4D97-AF65-F5344CB8AC3E}">
-        <p14:creationId xmlns:p14="http://schemas.microsoft.com/office/powerpoint/2010/main" val="819740758"/>
+        <p14:creationId xmlns:p14="http://schemas.microsoft.com/office/powerpoint/2010/main" val="2909565782"/>
       </p:ext>
     </p:extLst>
   </p:cSld>
